--- a/青年聖歌I/(青年聖歌I101)親愛主牽我手.pptx
+++ b/青年聖歌I/(青年聖歌I101)親愛主牽我手.pptx
@@ -5,8 +5,11 @@
     <p:sldMasterId id="2147483672" r:id="rId1"/>
   </p:sldMasterIdLst>
   <p:sldIdLst>
-    <p:sldId id="256" r:id="rId2"/>
-    <p:sldId id="257" r:id="rId3"/>
+    <p:sldId id="258" r:id="rId2"/>
+    <p:sldId id="259" r:id="rId3"/>
+    <p:sldId id="260" r:id="rId4"/>
+    <p:sldId id="261" r:id="rId5"/>
+    <p:sldId id="262" r:id="rId6"/>
   </p:sldIdLst>
   <p:sldSz cx="9144000" cy="5143500" type="screen16x9"/>
   <p:notesSz cx="6858000" cy="9144000"/>
@@ -105,6 +108,22 @@
       </a:defRPr>
     </a:lvl9pPr>
   </p:defaultTextStyle>
+  <p:extLst>
+    <p:ext uri="{EFAFB233-063F-42B5-8137-9DF3F51BA10A}">
+      <p15:sldGuideLst xmlns:p15="http://schemas.microsoft.com/office/powerpoint/2012/main">
+        <p15:guide id="1" orient="horz" pos="1620">
+          <p15:clr>
+            <a:srgbClr val="A4A3A4"/>
+          </p15:clr>
+        </p15:guide>
+        <p15:guide id="2" pos="2880">
+          <p15:clr>
+            <a:srgbClr val="A4A3A4"/>
+          </p15:clr>
+        </p15:guide>
+      </p15:sldGuideLst>
+    </p:ext>
+  </p:extLst>
 </p:presentation>
 </file>
 
@@ -289,7 +308,7 @@
           <a:p>
             <a:fld id="{79416EF2-DEA7-4BCF-8302-B5B4F3C64BCF}" type="datetimeFigureOut">
               <a:rPr lang="zh-TW" altLang="en-US" smtClean="0"/>
-              <a:t>2019/8/3</a:t>
+              <a:t>2021/11/30</a:t>
             </a:fld>
             <a:endParaRPr lang="zh-TW" altLang="en-US"/>
           </a:p>
@@ -454,7 +473,7 @@
           <a:p>
             <a:fld id="{79416EF2-DEA7-4BCF-8302-B5B4F3C64BCF}" type="datetimeFigureOut">
               <a:rPr lang="zh-TW" altLang="en-US" smtClean="0"/>
-              <a:t>2019/8/3</a:t>
+              <a:t>2021/11/30</a:t>
             </a:fld>
             <a:endParaRPr lang="zh-TW" altLang="en-US"/>
           </a:p>
@@ -629,7 +648,7 @@
           <a:p>
             <a:fld id="{79416EF2-DEA7-4BCF-8302-B5B4F3C64BCF}" type="datetimeFigureOut">
               <a:rPr lang="zh-TW" altLang="en-US" smtClean="0"/>
-              <a:t>2019/8/3</a:t>
+              <a:t>2021/11/30</a:t>
             </a:fld>
             <a:endParaRPr lang="zh-TW" altLang="en-US"/>
           </a:p>
@@ -794,7 +813,7 @@
           <a:p>
             <a:fld id="{79416EF2-DEA7-4BCF-8302-B5B4F3C64BCF}" type="datetimeFigureOut">
               <a:rPr lang="zh-TW" altLang="en-US" smtClean="0"/>
-              <a:t>2019/8/3</a:t>
+              <a:t>2021/11/30</a:t>
             </a:fld>
             <a:endParaRPr lang="zh-TW" altLang="en-US"/>
           </a:p>
@@ -1035,7 +1054,7 @@
           <a:p>
             <a:fld id="{79416EF2-DEA7-4BCF-8302-B5B4F3C64BCF}" type="datetimeFigureOut">
               <a:rPr lang="zh-TW" altLang="en-US" smtClean="0"/>
-              <a:t>2019/8/3</a:t>
+              <a:t>2021/11/30</a:t>
             </a:fld>
             <a:endParaRPr lang="zh-TW" altLang="en-US"/>
           </a:p>
@@ -1318,7 +1337,7 @@
           <a:p>
             <a:fld id="{79416EF2-DEA7-4BCF-8302-B5B4F3C64BCF}" type="datetimeFigureOut">
               <a:rPr lang="zh-TW" altLang="en-US" smtClean="0"/>
-              <a:t>2019/8/3</a:t>
+              <a:t>2021/11/30</a:t>
             </a:fld>
             <a:endParaRPr lang="zh-TW" altLang="en-US"/>
           </a:p>
@@ -1735,7 +1754,7 @@
           <a:p>
             <a:fld id="{79416EF2-DEA7-4BCF-8302-B5B4F3C64BCF}" type="datetimeFigureOut">
               <a:rPr lang="zh-TW" altLang="en-US" smtClean="0"/>
-              <a:t>2019/8/3</a:t>
+              <a:t>2021/11/30</a:t>
             </a:fld>
             <a:endParaRPr lang="zh-TW" altLang="en-US"/>
           </a:p>
@@ -1848,7 +1867,7 @@
           <a:p>
             <a:fld id="{79416EF2-DEA7-4BCF-8302-B5B4F3C64BCF}" type="datetimeFigureOut">
               <a:rPr lang="zh-TW" altLang="en-US" smtClean="0"/>
-              <a:t>2019/8/3</a:t>
+              <a:t>2021/11/30</a:t>
             </a:fld>
             <a:endParaRPr lang="zh-TW" altLang="en-US"/>
           </a:p>
@@ -1938,7 +1957,7 @@
           <a:p>
             <a:fld id="{79416EF2-DEA7-4BCF-8302-B5B4F3C64BCF}" type="datetimeFigureOut">
               <a:rPr lang="zh-TW" altLang="en-US" smtClean="0"/>
-              <a:t>2019/8/3</a:t>
+              <a:t>2021/11/30</a:t>
             </a:fld>
             <a:endParaRPr lang="zh-TW" altLang="en-US"/>
           </a:p>
@@ -2210,7 +2229,7 @@
           <a:p>
             <a:fld id="{79416EF2-DEA7-4BCF-8302-B5B4F3C64BCF}" type="datetimeFigureOut">
               <a:rPr lang="zh-TW" altLang="en-US" smtClean="0"/>
-              <a:t>2019/8/3</a:t>
+              <a:t>2021/11/30</a:t>
             </a:fld>
             <a:endParaRPr lang="zh-TW" altLang="en-US"/>
           </a:p>
@@ -2462,7 +2481,7 @@
           <a:p>
             <a:fld id="{79416EF2-DEA7-4BCF-8302-B5B4F3C64BCF}" type="datetimeFigureOut">
               <a:rPr lang="zh-TW" altLang="en-US" smtClean="0"/>
-              <a:t>2019/8/3</a:t>
+              <a:t>2021/11/30</a:t>
             </a:fld>
             <a:endParaRPr lang="zh-TW" altLang="en-US"/>
           </a:p>
@@ -2675,7 +2694,7 @@
           <a:p>
             <a:fld id="{79416EF2-DEA7-4BCF-8302-B5B4F3C64BCF}" type="datetimeFigureOut">
               <a:rPr lang="zh-TW" altLang="en-US" smtClean="0"/>
-              <a:t>2019/8/3</a:t>
+              <a:t>2021/11/30</a:t>
             </a:fld>
             <a:endParaRPr lang="zh-TW" altLang="en-US"/>
           </a:p>
@@ -3055,41 +3074,10 @@
             <p:ph type="title"/>
           </p:nvPr>
         </p:nvSpPr>
-        <p:spPr/>
-        <p:txBody>
-          <a:bodyPr>
-            <a:normAutofit/>
-          </a:bodyPr>
-          <a:lstStyle/>
-          <a:p>
-            <a:r>
-              <a:rPr lang="zh-TW" altLang="en-US" sz="4000" b="1" dirty="0">
-                <a:latin typeface="Microsoft JhengHei" pitchFamily="34" charset="-120"/>
-                <a:ea typeface="Microsoft JhengHei" pitchFamily="34" charset="-120"/>
-              </a:rPr>
-              <a:t>親愛主 牽我手</a:t>
-            </a:r>
-            <a:endParaRPr lang="zh-TW" altLang="en-US" sz="4000" b="1" dirty="0">
-              <a:latin typeface="Microsoft JhengHei" pitchFamily="34" charset="-120"/>
-              <a:ea typeface="Microsoft JhengHei" pitchFamily="34" charset="-120"/>
-            </a:endParaRPr>
-          </a:p>
-        </p:txBody>
-      </p:sp>
-      <p:sp>
-        <p:nvSpPr>
-          <p:cNvPr id="5" name="內容版面配置區 4"/>
-          <p:cNvSpPr>
-            <a:spLocks noGrp="1"/>
-          </p:cNvSpPr>
-          <p:nvPr>
-            <p:ph idx="1"/>
-          </p:nvPr>
-        </p:nvSpPr>
         <p:spPr>
           <a:xfrm>
-            <a:off x="0" y="1200151"/>
-            <a:ext cx="9144000" cy="3394472"/>
+            <a:off x="0" y="1995686"/>
+            <a:ext cx="9144000" cy="857250"/>
           </a:xfrm>
         </p:spPr>
         <p:txBody>
@@ -3098,138 +3086,83 @@
           </a:bodyPr>
           <a:lstStyle/>
           <a:p>
-            <a:pPr lvl="0" algn="ctr">
-              <a:buNone/>
-            </a:pPr>
-            <a:r>
-              <a:rPr lang="zh-TW" altLang="en-US" sz="4800" b="1" dirty="0">
-                <a:latin typeface="Microsoft JhengHei" pitchFamily="34" charset="-120"/>
-                <a:ea typeface="Microsoft JhengHei" pitchFamily="34" charset="-120"/>
-              </a:rPr>
-              <a:t>親愛主 牽我</a:t>
-            </a:r>
-            <a:r>
-              <a:rPr lang="zh-TW" altLang="en-US" sz="4800" b="1" dirty="0" smtClean="0">
-                <a:latin typeface="Microsoft JhengHei" pitchFamily="34" charset="-120"/>
-                <a:ea typeface="Microsoft JhengHei" pitchFamily="34" charset="-120"/>
-              </a:rPr>
-              <a:t>手 建立</a:t>
-            </a:r>
-            <a:r>
-              <a:rPr lang="zh-TW" altLang="en-US" sz="4800" b="1" dirty="0">
-                <a:latin typeface="Microsoft JhengHei" pitchFamily="34" charset="-120"/>
-                <a:ea typeface="Microsoft JhengHei" pitchFamily="34" charset="-120"/>
-              </a:rPr>
-              <a:t>我 領我</a:t>
-            </a:r>
-            <a:r>
-              <a:rPr lang="zh-TW" altLang="en-US" sz="4800" b="1" dirty="0" smtClean="0">
-                <a:latin typeface="Microsoft JhengHei" pitchFamily="34" charset="-120"/>
-                <a:ea typeface="Microsoft JhengHei" pitchFamily="34" charset="-120"/>
-              </a:rPr>
-              <a:t>走</a:t>
-            </a:r>
-            <a:endParaRPr lang="en-US" altLang="zh-TW" sz="4800" b="1" dirty="0" smtClean="0">
-              <a:latin typeface="Microsoft JhengHei" pitchFamily="34" charset="-120"/>
-              <a:ea typeface="Microsoft JhengHei" pitchFamily="34" charset="-120"/>
-            </a:endParaRPr>
-          </a:p>
-          <a:p>
-            <a:pPr lvl="0" algn="ctr">
-              <a:buNone/>
-            </a:pPr>
-            <a:r>
-              <a:rPr lang="zh-TW" altLang="en-US" sz="4800" b="1" dirty="0" smtClean="0">
-                <a:latin typeface="Microsoft JhengHei" pitchFamily="34" charset="-120"/>
-                <a:ea typeface="Microsoft JhengHei" pitchFamily="34" charset="-120"/>
-              </a:rPr>
-              <a:t>我</a:t>
-            </a:r>
-            <a:r>
-              <a:rPr lang="zh-TW" altLang="en-US" sz="4800" b="1" dirty="0">
-                <a:latin typeface="Microsoft JhengHei" pitchFamily="34" charset="-120"/>
-                <a:ea typeface="Microsoft JhengHei" pitchFamily="34" charset="-120"/>
-              </a:rPr>
-              <a:t>疲倦 我軟弱 我苦</a:t>
-            </a:r>
-            <a:r>
-              <a:rPr lang="zh-TW" altLang="en-US" sz="4800" b="1" dirty="0" smtClean="0">
-                <a:latin typeface="Microsoft JhengHei" pitchFamily="34" charset="-120"/>
-                <a:ea typeface="Microsoft JhengHei" pitchFamily="34" charset="-120"/>
-              </a:rPr>
-              <a:t>愁</a:t>
-            </a:r>
-            <a:endParaRPr lang="en-US" altLang="zh-TW" sz="4800" b="1" dirty="0" smtClean="0">
-              <a:latin typeface="Microsoft JhengHei" pitchFamily="34" charset="-120"/>
-              <a:ea typeface="Microsoft JhengHei" pitchFamily="34" charset="-120"/>
-            </a:endParaRPr>
-          </a:p>
-          <a:p>
-            <a:pPr lvl="0" algn="ctr">
-              <a:buNone/>
-            </a:pPr>
-            <a:r>
-              <a:rPr lang="zh-TW" altLang="en-US" sz="4800" b="1" dirty="0" smtClean="0">
-                <a:latin typeface="Microsoft JhengHei" pitchFamily="34" charset="-120"/>
-                <a:ea typeface="Microsoft JhengHei" pitchFamily="34" charset="-120"/>
-              </a:rPr>
-              <a:t>經</a:t>
-            </a:r>
-            <a:r>
-              <a:rPr lang="zh-TW" altLang="en-US" sz="4800" b="1" dirty="0">
-                <a:latin typeface="Microsoft JhengHei" pitchFamily="34" charset="-120"/>
-                <a:ea typeface="Microsoft JhengHei" pitchFamily="34" charset="-120"/>
-              </a:rPr>
-              <a:t>風暴 過</a:t>
-            </a:r>
-            <a:r>
-              <a:rPr lang="zh-TW" altLang="en-US" sz="4800" b="1" dirty="0" smtClean="0">
-                <a:latin typeface="Microsoft JhengHei" pitchFamily="34" charset="-120"/>
-                <a:ea typeface="Microsoft JhengHei" pitchFamily="34" charset="-120"/>
-              </a:rPr>
-              <a:t>黑夜 求</a:t>
-            </a:r>
-            <a:r>
-              <a:rPr lang="zh-TW" altLang="en-US" sz="4800" b="1" dirty="0">
-                <a:latin typeface="Microsoft JhengHei" pitchFamily="34" charset="-120"/>
-                <a:ea typeface="Microsoft JhengHei" pitchFamily="34" charset="-120"/>
-              </a:rPr>
-              <a:t>領我進</a:t>
-            </a:r>
-            <a:r>
-              <a:rPr lang="zh-TW" altLang="en-US" sz="4800" b="1" dirty="0" smtClean="0">
-                <a:latin typeface="Microsoft JhengHei" pitchFamily="34" charset="-120"/>
-                <a:ea typeface="Microsoft JhengHei" pitchFamily="34" charset="-120"/>
-              </a:rPr>
-              <a:t>光明</a:t>
-            </a:r>
-            <a:endParaRPr lang="en-US" altLang="zh-TW" sz="4800" b="1" dirty="0" smtClean="0">
-              <a:latin typeface="Microsoft JhengHei" pitchFamily="34" charset="-120"/>
-              <a:ea typeface="Microsoft JhengHei" pitchFamily="34" charset="-120"/>
-            </a:endParaRPr>
-          </a:p>
-          <a:p>
-            <a:pPr lvl="0" algn="ctr">
-              <a:buNone/>
-            </a:pPr>
-            <a:r>
-              <a:rPr lang="zh-TW" altLang="en-US" sz="4800" b="1" dirty="0" smtClean="0">
-                <a:latin typeface="Microsoft JhengHei" pitchFamily="34" charset="-120"/>
-                <a:ea typeface="Microsoft JhengHei" pitchFamily="34" charset="-120"/>
-              </a:rPr>
-              <a:t>親愛</a:t>
-            </a:r>
-            <a:r>
-              <a:rPr lang="zh-TW" altLang="en-US" sz="4800" b="1" dirty="0">
-                <a:latin typeface="Microsoft JhengHei" pitchFamily="34" charset="-120"/>
-                <a:ea typeface="Microsoft JhengHei" pitchFamily="34" charset="-120"/>
-              </a:rPr>
-              <a:t>主 牽我手 到天庭</a:t>
+            <a:r>
+              <a:rPr lang="zh-TW" altLang="en-US" sz="5400" b="1" i="1" dirty="0" smtClean="0">
+                <a:solidFill>
+                  <a:srgbClr val="660033"/>
+                </a:solidFill>
+                <a:effectLst>
+                  <a:outerShdw blurRad="38100" dist="38100" dir="2700000" algn="tl">
+                    <a:srgbClr val="000000">
+                      <a:alpha val="43137"/>
+                    </a:srgbClr>
+                  </a:outerShdw>
+                </a:effectLst>
+                <a:latin typeface="微軟正黑體" pitchFamily="34" charset="-120"/>
+                <a:ea typeface="微軟正黑體" pitchFamily="34" charset="-120"/>
+              </a:rPr>
+              <a:t>親</a:t>
+            </a:r>
+            <a:r>
+              <a:rPr lang="zh-TW" altLang="en-US" sz="5400" b="1" i="1" dirty="0">
+                <a:solidFill>
+                  <a:srgbClr val="660033"/>
+                </a:solidFill>
+                <a:effectLst>
+                  <a:outerShdw blurRad="38100" dist="38100" dir="2700000" algn="tl">
+                    <a:srgbClr val="000000">
+                      <a:alpha val="43137"/>
+                    </a:srgbClr>
+                  </a:outerShdw>
+                </a:effectLst>
+                <a:latin typeface="微軟正黑體" pitchFamily="34" charset="-120"/>
+                <a:ea typeface="微軟正黑體" pitchFamily="34" charset="-120"/>
+              </a:rPr>
+              <a:t>愛</a:t>
+            </a:r>
+            <a:r>
+              <a:rPr lang="zh-TW" altLang="en-US" sz="5400" b="1" i="1" dirty="0" smtClean="0">
+                <a:solidFill>
+                  <a:srgbClr val="660033"/>
+                </a:solidFill>
+                <a:effectLst>
+                  <a:outerShdw blurRad="38100" dist="38100" dir="2700000" algn="tl">
+                    <a:srgbClr val="000000">
+                      <a:alpha val="43137"/>
+                    </a:srgbClr>
+                  </a:outerShdw>
+                </a:effectLst>
+                <a:latin typeface="微軟正黑體" pitchFamily="34" charset="-120"/>
+                <a:ea typeface="微軟正黑體" pitchFamily="34" charset="-120"/>
+              </a:rPr>
+              <a:t>主  </a:t>
+            </a:r>
+            <a:r>
+              <a:rPr lang="zh-TW" altLang="en-US" sz="5400" b="1" i="1" dirty="0">
+                <a:solidFill>
+                  <a:srgbClr val="660033"/>
+                </a:solidFill>
+                <a:effectLst>
+                  <a:outerShdw blurRad="38100" dist="38100" dir="2700000" algn="tl">
+                    <a:srgbClr val="000000">
+                      <a:alpha val="43137"/>
+                    </a:srgbClr>
+                  </a:outerShdw>
+                </a:effectLst>
+                <a:latin typeface="微軟正黑體" pitchFamily="34" charset="-120"/>
+                <a:ea typeface="微軟正黑體" pitchFamily="34" charset="-120"/>
+              </a:rPr>
+              <a:t>牽我手</a:t>
             </a:r>
           </a:p>
         </p:txBody>
       </p:sp>
     </p:spTree>
+    <p:extLst>
+      <p:ext uri="{BB962C8B-B14F-4D97-AF65-F5344CB8AC3E}">
+        <p14:creationId xmlns:p14="http://schemas.microsoft.com/office/powerpoint/2010/main" val="2561795035"/>
+      </p:ext>
+    </p:extLst>
   </p:cSld>
   <p:clrMapOvr>
     <a:masterClrMapping/>
@@ -3256,54 +3189,269 @@
       </p:grpSpPr>
       <p:sp>
         <p:nvSpPr>
-          <p:cNvPr id="4" name="標題 3"/>
-          <p:cNvSpPr>
-            <a:spLocks noGrp="1"/>
-          </p:cNvSpPr>
-          <p:nvPr>
-            <p:ph type="title"/>
-          </p:nvPr>
-        </p:nvSpPr>
-        <p:spPr/>
-        <p:txBody>
-          <a:bodyPr>
+          <p:cNvPr id="5" name="內容版面配置區 4"/>
+          <p:cNvSpPr>
+            <a:spLocks noGrp="1"/>
+          </p:cNvSpPr>
+          <p:nvPr>
+            <p:ph idx="1"/>
+          </p:nvPr>
+        </p:nvSpPr>
+        <p:spPr>
+          <a:xfrm>
+            <a:off x="0" y="1563638"/>
+            <a:ext cx="9144000" cy="1803647"/>
+          </a:xfrm>
+        </p:spPr>
+        <p:txBody>
+          <a:bodyPr anchor="ctr">
             <a:normAutofit/>
           </a:bodyPr>
           <a:lstStyle/>
           <a:p>
-            <a:r>
-              <a:rPr lang="zh-TW" altLang="en-US" sz="4000" b="1" dirty="0" smtClean="0">
-                <a:latin typeface="Microsoft JhengHei" pitchFamily="34" charset="-120"/>
-                <a:ea typeface="Microsoft JhengHei" pitchFamily="34" charset="-120"/>
-              </a:rPr>
-              <a:t>親愛主 牽我手</a:t>
-            </a:r>
-            <a:endParaRPr lang="zh-TW" altLang="en-US" sz="4000" b="1" dirty="0">
-              <a:latin typeface="Microsoft JhengHei" pitchFamily="34" charset="-120"/>
-              <a:ea typeface="Microsoft JhengHei" pitchFamily="34" charset="-120"/>
+            <a:pPr lvl="0" algn="ctr">
+              <a:buNone/>
+            </a:pPr>
+            <a:r>
+              <a:rPr lang="zh-TW" altLang="en-US" sz="4800" b="1" dirty="0" smtClean="0">
+                <a:solidFill>
+                  <a:srgbClr val="660033"/>
+                </a:solidFill>
+                <a:latin typeface="微軟正黑體" pitchFamily="34" charset="-120"/>
+                <a:ea typeface="微軟正黑體" pitchFamily="34" charset="-120"/>
+              </a:rPr>
+              <a:t>親</a:t>
+            </a:r>
+            <a:r>
+              <a:rPr lang="zh-TW" altLang="en-US" sz="4800" b="1" dirty="0">
+                <a:solidFill>
+                  <a:srgbClr val="660033"/>
+                </a:solidFill>
+                <a:latin typeface="微軟正黑體" pitchFamily="34" charset="-120"/>
+                <a:ea typeface="微軟正黑體" pitchFamily="34" charset="-120"/>
+              </a:rPr>
+              <a:t>愛</a:t>
+            </a:r>
+            <a:r>
+              <a:rPr lang="zh-TW" altLang="en-US" sz="4800" b="1" dirty="0" smtClean="0">
+                <a:solidFill>
+                  <a:srgbClr val="660033"/>
+                </a:solidFill>
+                <a:latin typeface="微軟正黑體" pitchFamily="34" charset="-120"/>
+                <a:ea typeface="微軟正黑體" pitchFamily="34" charset="-120"/>
+              </a:rPr>
+              <a:t>主   牽</a:t>
+            </a:r>
+            <a:r>
+              <a:rPr lang="zh-TW" altLang="en-US" sz="4800" b="1" dirty="0">
+                <a:solidFill>
+                  <a:srgbClr val="660033"/>
+                </a:solidFill>
+                <a:latin typeface="微軟正黑體" pitchFamily="34" charset="-120"/>
+                <a:ea typeface="微軟正黑體" pitchFamily="34" charset="-120"/>
+              </a:rPr>
+              <a:t>我</a:t>
+            </a:r>
+            <a:r>
+              <a:rPr lang="zh-TW" altLang="en-US" sz="4800" b="1" dirty="0" smtClean="0">
+                <a:solidFill>
+                  <a:srgbClr val="660033"/>
+                </a:solidFill>
+                <a:latin typeface="微軟正黑體" pitchFamily="34" charset="-120"/>
+                <a:ea typeface="微軟正黑體" pitchFamily="34" charset="-120"/>
+              </a:rPr>
+              <a:t>手   </a:t>
+            </a:r>
+            <a:r>
+              <a:rPr lang="zh-TW" altLang="en-US" sz="4800" b="1" dirty="0">
+                <a:solidFill>
+                  <a:srgbClr val="660033"/>
+                </a:solidFill>
+                <a:latin typeface="微軟正黑體" pitchFamily="34" charset="-120"/>
+                <a:ea typeface="微軟正黑體" pitchFamily="34" charset="-120"/>
+              </a:rPr>
+              <a:t>建立</a:t>
+            </a:r>
+            <a:r>
+              <a:rPr lang="zh-TW" altLang="en-US" sz="4800" b="1" dirty="0" smtClean="0">
+                <a:solidFill>
+                  <a:srgbClr val="660033"/>
+                </a:solidFill>
+                <a:latin typeface="微軟正黑體" pitchFamily="34" charset="-120"/>
+                <a:ea typeface="微軟正黑體" pitchFamily="34" charset="-120"/>
+              </a:rPr>
+              <a:t>我   </a:t>
+            </a:r>
+            <a:r>
+              <a:rPr lang="zh-TW" altLang="en-US" sz="4800" b="1" dirty="0">
+                <a:solidFill>
+                  <a:srgbClr val="660033"/>
+                </a:solidFill>
+                <a:latin typeface="微軟正黑體" pitchFamily="34" charset="-120"/>
+                <a:ea typeface="微軟正黑體" pitchFamily="34" charset="-120"/>
+              </a:rPr>
+              <a:t>領我走</a:t>
+            </a:r>
+            <a:endParaRPr lang="en-US" altLang="zh-TW" sz="4800" b="1" dirty="0">
+              <a:solidFill>
+                <a:srgbClr val="660033"/>
+              </a:solidFill>
+              <a:latin typeface="微軟正黑體" pitchFamily="34" charset="-120"/>
+              <a:ea typeface="微軟正黑體" pitchFamily="34" charset="-120"/>
             </a:endParaRPr>
           </a:p>
-        </p:txBody>
-      </p:sp>
-      <p:sp>
-        <p:nvSpPr>
-          <p:cNvPr id="5" name="內容版面配置區 4"/>
-          <p:cNvSpPr>
-            <a:spLocks noGrp="1"/>
-          </p:cNvSpPr>
-          <p:nvPr>
-            <p:ph idx="1"/>
-          </p:nvPr>
+          <a:p>
+            <a:pPr lvl="0" algn="ctr">
+              <a:buNone/>
+            </a:pPr>
+            <a:r>
+              <a:rPr lang="zh-TW" altLang="en-US" sz="4800" b="1" dirty="0">
+                <a:solidFill>
+                  <a:srgbClr val="660033"/>
+                </a:solidFill>
+                <a:latin typeface="微軟正黑體" pitchFamily="34" charset="-120"/>
+                <a:ea typeface="微軟正黑體" pitchFamily="34" charset="-120"/>
+              </a:rPr>
+              <a:t>我疲</a:t>
+            </a:r>
+            <a:r>
+              <a:rPr lang="zh-TW" altLang="en-US" sz="4800" b="1" dirty="0" smtClean="0">
+                <a:solidFill>
+                  <a:srgbClr val="660033"/>
+                </a:solidFill>
+                <a:latin typeface="微軟正黑體" pitchFamily="34" charset="-120"/>
+                <a:ea typeface="微軟正黑體" pitchFamily="34" charset="-120"/>
+              </a:rPr>
+              <a:t>倦   </a:t>
+            </a:r>
+            <a:r>
+              <a:rPr lang="zh-TW" altLang="en-US" sz="4800" b="1" dirty="0">
+                <a:solidFill>
+                  <a:srgbClr val="660033"/>
+                </a:solidFill>
+                <a:latin typeface="微軟正黑體" pitchFamily="34" charset="-120"/>
+                <a:ea typeface="微軟正黑體" pitchFamily="34" charset="-120"/>
+              </a:rPr>
+              <a:t>我軟</a:t>
+            </a:r>
+            <a:r>
+              <a:rPr lang="zh-TW" altLang="en-US" sz="4800" b="1" dirty="0" smtClean="0">
+                <a:solidFill>
+                  <a:srgbClr val="660033"/>
+                </a:solidFill>
+                <a:latin typeface="微軟正黑體" pitchFamily="34" charset="-120"/>
+                <a:ea typeface="微軟正黑體" pitchFamily="34" charset="-120"/>
+              </a:rPr>
+              <a:t>弱   我</a:t>
+            </a:r>
+            <a:r>
+              <a:rPr lang="zh-TW" altLang="en-US" sz="4800" b="1" dirty="0">
+                <a:solidFill>
+                  <a:srgbClr val="660033"/>
+                </a:solidFill>
+                <a:latin typeface="微軟正黑體" pitchFamily="34" charset="-120"/>
+                <a:ea typeface="微軟正黑體" pitchFamily="34" charset="-120"/>
+              </a:rPr>
+              <a:t>苦愁</a:t>
+            </a:r>
+            <a:endParaRPr lang="en-US" altLang="zh-TW" sz="4800" b="1" dirty="0">
+              <a:solidFill>
+                <a:srgbClr val="660033"/>
+              </a:solidFill>
+              <a:latin typeface="微軟正黑體" pitchFamily="34" charset="-120"/>
+              <a:ea typeface="微軟正黑體" pitchFamily="34" charset="-120"/>
+            </a:endParaRPr>
+          </a:p>
+        </p:txBody>
+      </p:sp>
+      <p:sp>
+        <p:nvSpPr>
+          <p:cNvPr id="3" name="TextBox 2"/>
+          <p:cNvSpPr txBox="1"/>
+          <p:nvPr/>
         </p:nvSpPr>
         <p:spPr>
           <a:xfrm>
-            <a:off x="0" y="1200151"/>
-            <a:ext cx="9144000" cy="3394472"/>
+            <a:off x="0" y="3867894"/>
+            <a:ext cx="9144000" cy="523220"/>
+          </a:xfrm>
+          <a:prstGeom prst="rect">
+            <a:avLst/>
+          </a:prstGeom>
+          <a:noFill/>
+        </p:spPr>
+        <p:txBody>
+          <a:bodyPr wrap="square" rtlCol="0">
+            <a:spAutoFit/>
+          </a:bodyPr>
+          <a:lstStyle/>
+          <a:p>
+            <a:pPr algn="ctr"/>
+            <a:r>
+              <a:rPr lang="en-US" sz="2800" b="1" dirty="0">
+                <a:solidFill>
+                  <a:srgbClr val="660033"/>
+                </a:solidFill>
+              </a:rPr>
+              <a:t>( 1 )</a:t>
+            </a:r>
+            <a:endParaRPr lang="vi-VN" sz="2800" b="1" dirty="0">
+              <a:solidFill>
+                <a:srgbClr val="660033"/>
+              </a:solidFill>
+            </a:endParaRPr>
+          </a:p>
+        </p:txBody>
+      </p:sp>
+    </p:spTree>
+    <p:extLst>
+      <p:ext uri="{BB962C8B-B14F-4D97-AF65-F5344CB8AC3E}">
+        <p14:creationId xmlns:p14="http://schemas.microsoft.com/office/powerpoint/2010/main" val="26650873"/>
+      </p:ext>
+    </p:extLst>
+  </p:cSld>
+  <p:clrMapOvr>
+    <a:masterClrMapping/>
+  </p:clrMapOvr>
+</p:sld>
+</file>
+
+<file path=ppt/slides/slide3.xml><?xml version="1.0" encoding="utf-8"?>
+<p:sld xmlns:a="http://schemas.openxmlformats.org/drawingml/2006/main" xmlns:r="http://schemas.openxmlformats.org/officeDocument/2006/relationships" xmlns:p="http://schemas.openxmlformats.org/presentationml/2006/main">
+  <p:cSld>
+    <p:spTree>
+      <p:nvGrpSpPr>
+        <p:cNvPr id="1" name=""/>
+        <p:cNvGrpSpPr/>
+        <p:nvPr/>
+      </p:nvGrpSpPr>
+      <p:grpSpPr>
+        <a:xfrm>
+          <a:off x="0" y="0"/>
+          <a:ext cx="0" cy="0"/>
+          <a:chOff x="0" y="0"/>
+          <a:chExt cx="0" cy="0"/>
+        </a:xfrm>
+      </p:grpSpPr>
+      <p:sp>
+        <p:nvSpPr>
+          <p:cNvPr id="5" name="內容版面配置區 4"/>
+          <p:cNvSpPr>
+            <a:spLocks noGrp="1"/>
+          </p:cNvSpPr>
+          <p:nvPr>
+            <p:ph idx="1"/>
+          </p:nvPr>
+        </p:nvSpPr>
+        <p:spPr>
+          <a:xfrm>
+            <a:off x="0" y="1563638"/>
+            <a:ext cx="9144000" cy="1803647"/>
           </a:xfrm>
         </p:spPr>
         <p:txBody>
-          <a:bodyPr>
-            <a:noAutofit/>
+          <a:bodyPr anchor="ctr">
+            <a:normAutofit/>
           </a:bodyPr>
           <a:lstStyle/>
           <a:p>
@@ -3311,36 +3459,320 @@
               <a:buNone/>
             </a:pPr>
             <a:r>
+              <a:rPr lang="zh-TW" altLang="en-US" sz="4800" b="1" dirty="0" smtClean="0">
+                <a:solidFill>
+                  <a:srgbClr val="660033"/>
+                </a:solidFill>
+                <a:latin typeface="微軟正黑體" pitchFamily="34" charset="-120"/>
+                <a:ea typeface="微軟正黑體" pitchFamily="34" charset="-120"/>
+              </a:rPr>
+              <a:t>經</a:t>
+            </a:r>
+            <a:r>
               <a:rPr lang="zh-TW" altLang="en-US" sz="4800" b="1" dirty="0">
-                <a:latin typeface="Microsoft JhengHei" pitchFamily="34" charset="-120"/>
-                <a:ea typeface="Microsoft JhengHei" pitchFamily="34" charset="-120"/>
-              </a:rPr>
-              <a:t>我道路 雖凄</a:t>
+                <a:solidFill>
+                  <a:srgbClr val="660033"/>
+                </a:solidFill>
+                <a:latin typeface="微軟正黑體" pitchFamily="34" charset="-120"/>
+                <a:ea typeface="微軟正黑體" pitchFamily="34" charset="-120"/>
+              </a:rPr>
+              <a:t>風暴 </a:t>
+            </a:r>
+            <a:r>
+              <a:rPr lang="zh-TW" altLang="en-US" sz="4800" b="1" dirty="0" smtClean="0">
+                <a:solidFill>
+                  <a:srgbClr val="660033"/>
+                </a:solidFill>
+                <a:latin typeface="微軟正黑體" pitchFamily="34" charset="-120"/>
+                <a:ea typeface="微軟正黑體" pitchFamily="34" charset="-120"/>
+              </a:rPr>
+              <a:t>  過</a:t>
             </a:r>
             <a:r>
               <a:rPr lang="zh-TW" altLang="en-US" sz="4800" b="1" dirty="0">
-                <a:latin typeface="Microsoft JhengHei" pitchFamily="34" charset="-120"/>
-                <a:ea typeface="Microsoft JhengHei" pitchFamily="34" charset="-120"/>
-              </a:rPr>
-              <a:t>涼 主</a:t>
+                <a:solidFill>
+                  <a:srgbClr val="660033"/>
+                </a:solidFill>
+                <a:latin typeface="微軟正黑體" pitchFamily="34" charset="-120"/>
+                <a:ea typeface="微軟正黑體" pitchFamily="34" charset="-120"/>
+              </a:rPr>
+              <a:t>黑</a:t>
+            </a:r>
+            <a:r>
+              <a:rPr lang="zh-TW" altLang="en-US" sz="4800" b="1" dirty="0" smtClean="0">
+                <a:solidFill>
+                  <a:srgbClr val="660033"/>
+                </a:solidFill>
+                <a:latin typeface="微軟正黑體" pitchFamily="34" charset="-120"/>
+                <a:ea typeface="微軟正黑體" pitchFamily="34" charset="-120"/>
+              </a:rPr>
+              <a:t>夜   </a:t>
             </a:r>
             <a:r>
               <a:rPr lang="zh-TW" altLang="en-US" sz="4800" b="1" dirty="0">
-                <a:latin typeface="Microsoft JhengHei" pitchFamily="34" charset="-120"/>
-                <a:ea typeface="Microsoft JhengHei" pitchFamily="34" charset="-120"/>
-              </a:rPr>
-              <a:t>臨近 慰</a:t>
+                <a:solidFill>
+                  <a:srgbClr val="660033"/>
+                </a:solidFill>
+                <a:latin typeface="微軟正黑體" pitchFamily="34" charset="-120"/>
+                <a:ea typeface="微軟正黑體" pitchFamily="34" charset="-120"/>
+              </a:rPr>
+              <a:t>求領</a:t>
+            </a:r>
+            <a:r>
+              <a:rPr lang="zh-TW" altLang="en-US" sz="4800" b="1" dirty="0" smtClean="0">
+                <a:solidFill>
+                  <a:srgbClr val="660033"/>
+                </a:solidFill>
+                <a:latin typeface="微軟正黑體" pitchFamily="34" charset="-120"/>
+                <a:ea typeface="微軟正黑體" pitchFamily="34" charset="-120"/>
+              </a:rPr>
+              <a:t>我   進</a:t>
             </a:r>
             <a:r>
               <a:rPr lang="zh-TW" altLang="en-US" sz="4800" b="1" dirty="0">
-                <a:latin typeface="Microsoft JhengHei" pitchFamily="34" charset="-120"/>
-                <a:ea typeface="Microsoft JhengHei" pitchFamily="34" charset="-120"/>
+                <a:solidFill>
+                  <a:srgbClr val="660033"/>
+                </a:solidFill>
+                <a:latin typeface="微軟正黑體" pitchFamily="34" charset="-120"/>
+                <a:ea typeface="微軟正黑體" pitchFamily="34" charset="-120"/>
+              </a:rPr>
+              <a:t>光明</a:t>
+            </a:r>
+            <a:endParaRPr lang="en-US" altLang="zh-TW" sz="4800" b="1" dirty="0">
+              <a:solidFill>
+                <a:srgbClr val="660033"/>
+              </a:solidFill>
+              <a:latin typeface="微軟正黑體" pitchFamily="34" charset="-120"/>
+              <a:ea typeface="微軟正黑體" pitchFamily="34" charset="-120"/>
+            </a:endParaRPr>
+          </a:p>
+          <a:p>
+            <a:pPr lvl="0" algn="ctr">
+              <a:buNone/>
+            </a:pPr>
+            <a:r>
+              <a:rPr lang="zh-TW" altLang="en-US" sz="4800" b="1" dirty="0">
+                <a:solidFill>
+                  <a:srgbClr val="660033"/>
+                </a:solidFill>
+                <a:latin typeface="微軟正黑體" pitchFamily="34" charset="-120"/>
+                <a:ea typeface="微軟正黑體" pitchFamily="34" charset="-120"/>
+              </a:rPr>
+              <a:t>親愛</a:t>
+            </a:r>
+            <a:r>
+              <a:rPr lang="zh-TW" altLang="en-US" sz="4800" b="1" dirty="0" smtClean="0">
+                <a:solidFill>
+                  <a:srgbClr val="660033"/>
+                </a:solidFill>
+                <a:latin typeface="微軟正黑體" pitchFamily="34" charset="-120"/>
+                <a:ea typeface="微軟正黑體" pitchFamily="34" charset="-120"/>
+              </a:rPr>
+              <a:t>主   </a:t>
+            </a:r>
+            <a:r>
+              <a:rPr lang="zh-TW" altLang="en-US" sz="4800" b="1" dirty="0">
+                <a:solidFill>
+                  <a:srgbClr val="660033"/>
+                </a:solidFill>
+                <a:latin typeface="微軟正黑體" pitchFamily="34" charset="-120"/>
+                <a:ea typeface="微軟正黑體" pitchFamily="34" charset="-120"/>
+              </a:rPr>
+              <a:t>牽我</a:t>
+            </a:r>
+            <a:r>
+              <a:rPr lang="zh-TW" altLang="en-US" sz="4800" b="1" dirty="0" smtClean="0">
+                <a:solidFill>
+                  <a:srgbClr val="660033"/>
+                </a:solidFill>
+                <a:latin typeface="微軟正黑體" pitchFamily="34" charset="-120"/>
+                <a:ea typeface="微軟正黑體" pitchFamily="34" charset="-120"/>
+              </a:rPr>
+              <a:t>手   </a:t>
+            </a:r>
+            <a:r>
+              <a:rPr lang="zh-TW" altLang="en-US" sz="4800" b="1" dirty="0">
+                <a:solidFill>
+                  <a:srgbClr val="660033"/>
+                </a:solidFill>
+                <a:latin typeface="微軟正黑體" pitchFamily="34" charset="-120"/>
+                <a:ea typeface="微軟正黑體" pitchFamily="34" charset="-120"/>
+              </a:rPr>
+              <a:t>到天庭</a:t>
+            </a:r>
+          </a:p>
+        </p:txBody>
+      </p:sp>
+      <p:sp>
+        <p:nvSpPr>
+          <p:cNvPr id="3" name="TextBox 2"/>
+          <p:cNvSpPr txBox="1"/>
+          <p:nvPr/>
+        </p:nvSpPr>
+        <p:spPr>
+          <a:xfrm>
+            <a:off x="0" y="3867894"/>
+            <a:ext cx="9144000" cy="523220"/>
+          </a:xfrm>
+          <a:prstGeom prst="rect">
+            <a:avLst/>
+          </a:prstGeom>
+          <a:noFill/>
+        </p:spPr>
+        <p:txBody>
+          <a:bodyPr wrap="square" rtlCol="0">
+            <a:spAutoFit/>
+          </a:bodyPr>
+          <a:lstStyle/>
+          <a:p>
+            <a:pPr algn="ctr"/>
+            <a:r>
+              <a:rPr lang="en-US" sz="2800" b="1" dirty="0">
+                <a:solidFill>
+                  <a:srgbClr val="660033"/>
+                </a:solidFill>
+              </a:rPr>
+              <a:t>( 1 )</a:t>
+            </a:r>
+            <a:endParaRPr lang="vi-VN" sz="2800" b="1" dirty="0">
+              <a:solidFill>
+                <a:srgbClr val="660033"/>
+              </a:solidFill>
+            </a:endParaRPr>
+          </a:p>
+        </p:txBody>
+      </p:sp>
+    </p:spTree>
+    <p:extLst>
+      <p:ext uri="{BB962C8B-B14F-4D97-AF65-F5344CB8AC3E}">
+        <p14:creationId xmlns:p14="http://schemas.microsoft.com/office/powerpoint/2010/main" val="635348215"/>
+      </p:ext>
+    </p:extLst>
+  </p:cSld>
+  <p:clrMapOvr>
+    <a:masterClrMapping/>
+  </p:clrMapOvr>
+</p:sld>
+</file>
+
+<file path=ppt/slides/slide4.xml><?xml version="1.0" encoding="utf-8"?>
+<p:sld xmlns:a="http://schemas.openxmlformats.org/drawingml/2006/main" xmlns:r="http://schemas.openxmlformats.org/officeDocument/2006/relationships" xmlns:p="http://schemas.openxmlformats.org/presentationml/2006/main">
+  <p:cSld>
+    <p:spTree>
+      <p:nvGrpSpPr>
+        <p:cNvPr id="1" name=""/>
+        <p:cNvGrpSpPr/>
+        <p:nvPr/>
+      </p:nvGrpSpPr>
+      <p:grpSpPr>
+        <a:xfrm>
+          <a:off x="0" y="0"/>
+          <a:ext cx="0" cy="0"/>
+          <a:chOff x="0" y="0"/>
+          <a:chExt cx="0" cy="0"/>
+        </a:xfrm>
+      </p:grpSpPr>
+      <p:sp>
+        <p:nvSpPr>
+          <p:cNvPr id="5" name="內容版面配置區 4"/>
+          <p:cNvSpPr>
+            <a:spLocks noGrp="1"/>
+          </p:cNvSpPr>
+          <p:nvPr>
+            <p:ph idx="1"/>
+          </p:nvPr>
+        </p:nvSpPr>
+        <p:spPr>
+          <a:xfrm>
+            <a:off x="0" y="1563638"/>
+            <a:ext cx="9144000" cy="1803647"/>
+          </a:xfrm>
+        </p:spPr>
+        <p:txBody>
+          <a:bodyPr anchor="ctr">
+            <a:normAutofit/>
+          </a:bodyPr>
+          <a:lstStyle/>
+          <a:p>
+            <a:pPr lvl="0" algn="ctr">
+              <a:buNone/>
+            </a:pPr>
+            <a:r>
+              <a:rPr lang="zh-TW" altLang="en-US" sz="4800" b="1" dirty="0">
+                <a:solidFill>
+                  <a:srgbClr val="660033"/>
+                </a:solidFill>
+                <a:latin typeface="微軟正黑體" pitchFamily="34" charset="-120"/>
+                <a:ea typeface="微軟正黑體" pitchFamily="34" charset="-120"/>
+              </a:rPr>
+              <a:t>我道路 </a:t>
+            </a:r>
+            <a:r>
+              <a:rPr lang="zh-TW" altLang="en-US" sz="4800" b="1" dirty="0">
+                <a:solidFill>
+                  <a:srgbClr val="660033"/>
+                </a:solidFill>
+                <a:latin typeface="微軟正黑體" pitchFamily="34" charset="-120"/>
+                <a:ea typeface="微軟正黑體" pitchFamily="34" charset="-120"/>
+              </a:rPr>
+              <a:t>  雖</a:t>
+            </a:r>
+            <a:r>
+              <a:rPr lang="zh-TW" altLang="en-US" sz="4800" b="1" dirty="0">
+                <a:solidFill>
+                  <a:srgbClr val="660033"/>
+                </a:solidFill>
+                <a:latin typeface="微軟正黑體" pitchFamily="34" charset="-120"/>
+                <a:ea typeface="微軟正黑體" pitchFamily="34" charset="-120"/>
+              </a:rPr>
+              <a:t>凄</a:t>
+            </a:r>
+            <a:r>
+              <a:rPr lang="zh-TW" altLang="en-US" sz="4800" b="1" dirty="0">
+                <a:solidFill>
+                  <a:srgbClr val="660033"/>
+                </a:solidFill>
+                <a:latin typeface="微軟正黑體" pitchFamily="34" charset="-120"/>
+                <a:ea typeface="微軟正黑體" pitchFamily="34" charset="-120"/>
+              </a:rPr>
+              <a:t>涼   </a:t>
+            </a:r>
+            <a:r>
+              <a:rPr lang="zh-TW" altLang="en-US" sz="4800" b="1" dirty="0">
+                <a:solidFill>
+                  <a:srgbClr val="660033"/>
+                </a:solidFill>
+                <a:latin typeface="微軟正黑體" pitchFamily="34" charset="-120"/>
+                <a:ea typeface="微軟正黑體" pitchFamily="34" charset="-120"/>
+              </a:rPr>
+              <a:t>主臨近 </a:t>
+            </a:r>
+            <a:r>
+              <a:rPr lang="zh-TW" altLang="en-US" sz="4800" b="1" dirty="0">
+                <a:solidFill>
+                  <a:srgbClr val="660033"/>
+                </a:solidFill>
+                <a:latin typeface="微軟正黑體" pitchFamily="34" charset="-120"/>
+                <a:ea typeface="微軟正黑體" pitchFamily="34" charset="-120"/>
+              </a:rPr>
+              <a:t>  慰</a:t>
+            </a:r>
+            <a:r>
+              <a:rPr lang="zh-TW" altLang="en-US" sz="4800" b="1" dirty="0">
+                <a:solidFill>
+                  <a:srgbClr val="660033"/>
+                </a:solidFill>
+                <a:latin typeface="微軟正黑體" pitchFamily="34" charset="-120"/>
+                <a:ea typeface="微軟正黑體" pitchFamily="34" charset="-120"/>
               </a:rPr>
               <a:t>憂傷</a:t>
             </a:r>
             <a:endParaRPr lang="en-US" altLang="zh-TW" sz="4800" b="1" dirty="0">
-              <a:latin typeface="Microsoft JhengHei" pitchFamily="34" charset="-120"/>
-              <a:ea typeface="Microsoft JhengHei" pitchFamily="34" charset="-120"/>
+              <a:solidFill>
+                <a:srgbClr val="660033"/>
+              </a:solidFill>
+              <a:latin typeface="微軟正黑體" pitchFamily="34" charset="-120"/>
+              <a:ea typeface="微軟正黑體" pitchFamily="34" charset="-120"/>
             </a:endParaRPr>
           </a:p>
           <a:p>
@@ -3349,18 +3781,204 @@
             </a:pPr>
             <a:r>
               <a:rPr lang="zh-TW" altLang="en-US" sz="4800" b="1" dirty="0">
-                <a:latin typeface="Microsoft JhengHei" pitchFamily="34" charset="-120"/>
-                <a:ea typeface="Microsoft JhengHei" pitchFamily="34" charset="-120"/>
+                <a:solidFill>
+                  <a:srgbClr val="660033"/>
+                </a:solidFill>
+                <a:latin typeface="微軟正黑體" pitchFamily="34" charset="-120"/>
+                <a:ea typeface="微軟正黑體" pitchFamily="34" charset="-120"/>
+              </a:rPr>
+              <a:t>我在世快打完美好仗</a:t>
+            </a:r>
+          </a:p>
+        </p:txBody>
+      </p:sp>
+      <p:sp>
+        <p:nvSpPr>
+          <p:cNvPr id="3" name="TextBox 2"/>
+          <p:cNvSpPr txBox="1"/>
+          <p:nvPr/>
+        </p:nvSpPr>
+        <p:spPr>
+          <a:xfrm>
+            <a:off x="0" y="3867894"/>
+            <a:ext cx="9144000" cy="523220"/>
+          </a:xfrm>
+          <a:prstGeom prst="rect">
+            <a:avLst/>
+          </a:prstGeom>
+          <a:noFill/>
+        </p:spPr>
+        <p:txBody>
+          <a:bodyPr wrap="square" rtlCol="0">
+            <a:spAutoFit/>
+          </a:bodyPr>
+          <a:lstStyle/>
+          <a:p>
+            <a:pPr algn="ctr"/>
+            <a:r>
+              <a:rPr lang="en-US" sz="2800" b="1" dirty="0">
+                <a:solidFill>
+                  <a:srgbClr val="660033"/>
+                </a:solidFill>
+              </a:rPr>
+              <a:t>( </a:t>
+            </a:r>
+            <a:r>
+              <a:rPr lang="en-US" sz="2800" b="1" dirty="0" smtClean="0">
+                <a:solidFill>
+                  <a:srgbClr val="660033"/>
+                </a:solidFill>
+              </a:rPr>
+              <a:t>2 </a:t>
+            </a:r>
+            <a:r>
+              <a:rPr lang="en-US" sz="2800" b="1" dirty="0">
+                <a:solidFill>
+                  <a:srgbClr val="660033"/>
+                </a:solidFill>
+              </a:rPr>
+              <a:t>)</a:t>
+            </a:r>
+            <a:endParaRPr lang="vi-VN" sz="2800" b="1" dirty="0">
+              <a:solidFill>
+                <a:srgbClr val="660033"/>
+              </a:solidFill>
+            </a:endParaRPr>
+          </a:p>
+        </p:txBody>
+      </p:sp>
+    </p:spTree>
+    <p:extLst>
+      <p:ext uri="{BB962C8B-B14F-4D97-AF65-F5344CB8AC3E}">
+        <p14:creationId xmlns:p14="http://schemas.microsoft.com/office/powerpoint/2010/main" val="368421856"/>
+      </p:ext>
+    </p:extLst>
+  </p:cSld>
+  <p:clrMapOvr>
+    <a:masterClrMapping/>
+  </p:clrMapOvr>
+</p:sld>
+</file>
+
+<file path=ppt/slides/slide5.xml><?xml version="1.0" encoding="utf-8"?>
+<p:sld xmlns:a="http://schemas.openxmlformats.org/drawingml/2006/main" xmlns:r="http://schemas.openxmlformats.org/officeDocument/2006/relationships" xmlns:p="http://schemas.openxmlformats.org/presentationml/2006/main">
+  <p:cSld>
+    <p:spTree>
+      <p:nvGrpSpPr>
+        <p:cNvPr id="1" name=""/>
+        <p:cNvGrpSpPr/>
+        <p:nvPr/>
+      </p:nvGrpSpPr>
+      <p:grpSpPr>
+        <a:xfrm>
+          <a:off x="0" y="0"/>
+          <a:ext cx="0" cy="0"/>
+          <a:chOff x="0" y="0"/>
+          <a:chExt cx="0" cy="0"/>
+        </a:xfrm>
+      </p:grpSpPr>
+      <p:sp>
+        <p:nvSpPr>
+          <p:cNvPr id="5" name="內容版面配置區 4"/>
+          <p:cNvSpPr>
+            <a:spLocks noGrp="1"/>
+          </p:cNvSpPr>
+          <p:nvPr>
+            <p:ph idx="1"/>
+          </p:nvPr>
+        </p:nvSpPr>
+        <p:spPr>
+          <a:xfrm>
+            <a:off x="0" y="1563638"/>
+            <a:ext cx="9144000" cy="1803647"/>
+          </a:xfrm>
+        </p:spPr>
+        <p:txBody>
+          <a:bodyPr anchor="ctr">
+            <a:normAutofit/>
+          </a:bodyPr>
+          <a:lstStyle/>
+          <a:p>
+            <a:pPr algn="ctr">
+              <a:buNone/>
+            </a:pPr>
+            <a:r>
+              <a:rPr lang="zh-TW" altLang="en-US" sz="4800" b="1" dirty="0">
+                <a:solidFill>
+                  <a:srgbClr val="660033"/>
+                </a:solidFill>
+                <a:latin typeface="微軟正黑體" pitchFamily="34" charset="-120"/>
+                <a:ea typeface="微軟正黑體" pitchFamily="34" charset="-120"/>
+              </a:rPr>
+              <a:t>聽我求 </a:t>
+            </a:r>
+            <a:r>
+              <a:rPr lang="zh-TW" altLang="en-US" sz="4800" b="1" dirty="0">
+                <a:solidFill>
+                  <a:srgbClr val="660033"/>
+                </a:solidFill>
+                <a:latin typeface="微軟正黑體" pitchFamily="34" charset="-120"/>
+                <a:ea typeface="微軟正黑體" pitchFamily="34" charset="-120"/>
+              </a:rPr>
+              <a:t>  聽</a:t>
+            </a:r>
+            <a:r>
+              <a:rPr lang="zh-TW" altLang="en-US" sz="4800" b="1" dirty="0">
+                <a:solidFill>
+                  <a:srgbClr val="660033"/>
+                </a:solidFill>
+                <a:latin typeface="微軟正黑體" pitchFamily="34" charset="-120"/>
+                <a:ea typeface="微軟正黑體" pitchFamily="34" charset="-120"/>
+              </a:rPr>
+              <a:t>我禱 </a:t>
+            </a:r>
+            <a:r>
+              <a:rPr lang="zh-TW" altLang="en-US" sz="4800" b="1" dirty="0">
+                <a:solidFill>
+                  <a:srgbClr val="660033"/>
+                </a:solidFill>
+                <a:latin typeface="微軟正黑體" pitchFamily="34" charset="-120"/>
+                <a:ea typeface="微軟正黑體" pitchFamily="34" charset="-120"/>
+              </a:rPr>
+              <a:t>  攙</a:t>
+            </a:r>
+            <a:r>
+              <a:rPr lang="zh-TW" altLang="en-US" sz="4800" b="1" dirty="0">
+                <a:solidFill>
+                  <a:srgbClr val="660033"/>
+                </a:solidFill>
+                <a:latin typeface="微軟正黑體" pitchFamily="34" charset="-120"/>
+                <a:ea typeface="微軟正黑體" pitchFamily="34" charset="-120"/>
               </a:rPr>
               <a:t>我</a:t>
             </a:r>
             <a:r>
               <a:rPr lang="zh-TW" altLang="en-US" sz="4800" b="1" dirty="0">
-                <a:latin typeface="Microsoft JhengHei" pitchFamily="34" charset="-120"/>
-                <a:ea typeface="Microsoft JhengHei" pitchFamily="34" charset="-120"/>
-              </a:rPr>
-              <a:t>在世快打完美好仗</a:t>
-            </a:r>
+                <a:solidFill>
+                  <a:srgbClr val="660033"/>
+                </a:solidFill>
+                <a:latin typeface="微軟正黑體" pitchFamily="34" charset="-120"/>
+                <a:ea typeface="微軟正黑體" pitchFamily="34" charset="-120"/>
+              </a:rPr>
+              <a:t>手   </a:t>
+            </a:r>
+            <a:r>
+              <a:rPr lang="zh-TW" altLang="en-US" sz="4800" b="1" dirty="0">
+                <a:solidFill>
+                  <a:srgbClr val="660033"/>
+                </a:solidFill>
+                <a:latin typeface="微軟正黑體" pitchFamily="34" charset="-120"/>
+                <a:ea typeface="微軟正黑體" pitchFamily="34" charset="-120"/>
+              </a:rPr>
+              <a:t>防跌倒</a:t>
+            </a:r>
+            <a:endParaRPr lang="en-US" altLang="zh-TW" sz="4800" b="1" dirty="0">
+              <a:solidFill>
+                <a:srgbClr val="660033"/>
+              </a:solidFill>
+              <a:latin typeface="微軟正黑體" pitchFamily="34" charset="-120"/>
+              <a:ea typeface="微軟正黑體" pitchFamily="34" charset="-120"/>
+            </a:endParaRPr>
           </a:p>
           <a:p>
             <a:pPr algn="ctr">
@@ -3368,66 +3986,118 @@
             </a:pPr>
             <a:r>
               <a:rPr lang="zh-TW" altLang="en-US" sz="4800" b="1" dirty="0">
-                <a:latin typeface="Microsoft JhengHei" pitchFamily="34" charset="-120"/>
-                <a:ea typeface="Microsoft JhengHei" pitchFamily="34" charset="-120"/>
-              </a:rPr>
-              <a:t>聽</a:t>
+                <a:solidFill>
+                  <a:srgbClr val="660033"/>
+                </a:solidFill>
+                <a:latin typeface="微軟正黑體" pitchFamily="34" charset="-120"/>
+                <a:ea typeface="微軟正黑體" pitchFamily="34" charset="-120"/>
+              </a:rPr>
+              <a:t>親愛主 </a:t>
+            </a:r>
+            <a:r>
+              <a:rPr lang="zh-TW" altLang="en-US" sz="4800" b="1" dirty="0" smtClean="0">
+                <a:solidFill>
+                  <a:srgbClr val="660033"/>
+                </a:solidFill>
+                <a:latin typeface="微軟正黑體" pitchFamily="34" charset="-120"/>
+                <a:ea typeface="微軟正黑體" pitchFamily="34" charset="-120"/>
+              </a:rPr>
+              <a:t>  牽</a:t>
             </a:r>
             <a:r>
               <a:rPr lang="zh-TW" altLang="en-US" sz="4800" b="1" dirty="0">
-                <a:latin typeface="Microsoft JhengHei" pitchFamily="34" charset="-120"/>
-                <a:ea typeface="Microsoft JhengHei" pitchFamily="34" charset="-120"/>
-              </a:rPr>
-              <a:t>我求 聽我</a:t>
+                <a:solidFill>
+                  <a:srgbClr val="660033"/>
+                </a:solidFill>
+                <a:latin typeface="微軟正黑體" pitchFamily="34" charset="-120"/>
+                <a:ea typeface="微軟正黑體" pitchFamily="34" charset="-120"/>
+              </a:rPr>
+              <a:t>我手 </a:t>
+            </a:r>
+            <a:r>
+              <a:rPr lang="zh-TW" altLang="en-US" sz="4800" b="1" dirty="0" smtClean="0">
+                <a:solidFill>
+                  <a:srgbClr val="660033"/>
+                </a:solidFill>
+                <a:latin typeface="微軟正黑體" pitchFamily="34" charset="-120"/>
+                <a:ea typeface="微軟正黑體" pitchFamily="34" charset="-120"/>
+              </a:rPr>
+              <a:t>  常</a:t>
             </a:r>
             <a:r>
               <a:rPr lang="zh-TW" altLang="en-US" sz="4800" b="1" dirty="0">
-                <a:latin typeface="Microsoft JhengHei" pitchFamily="34" charset="-120"/>
-                <a:ea typeface="Microsoft JhengHei" pitchFamily="34" charset="-120"/>
-              </a:rPr>
-              <a:t>禱 攙</a:t>
-            </a:r>
-            <a:r>
-              <a:rPr lang="zh-TW" altLang="en-US" sz="4800" b="1" dirty="0">
-                <a:latin typeface="Microsoft JhengHei" pitchFamily="34" charset="-120"/>
-                <a:ea typeface="Microsoft JhengHei" pitchFamily="34" charset="-120"/>
-              </a:rPr>
-              <a:t>我手 防</a:t>
-            </a:r>
-            <a:r>
-              <a:rPr lang="zh-TW" altLang="en-US" sz="4800" b="1" dirty="0">
-                <a:latin typeface="Microsoft JhengHei" pitchFamily="34" charset="-120"/>
-                <a:ea typeface="Microsoft JhengHei" pitchFamily="34" charset="-120"/>
-              </a:rPr>
-              <a:t>跌倒</a:t>
-            </a:r>
-            <a:endParaRPr lang="en-US" altLang="zh-TW" sz="4800" b="1" dirty="0">
-              <a:latin typeface="Microsoft JhengHei" pitchFamily="34" charset="-120"/>
-              <a:ea typeface="Microsoft JhengHei" pitchFamily="34" charset="-120"/>
+                <a:solidFill>
+                  <a:srgbClr val="660033"/>
+                </a:solidFill>
+                <a:latin typeface="微軟正黑體" pitchFamily="34" charset="-120"/>
+                <a:ea typeface="微軟正黑體" pitchFamily="34" charset="-120"/>
+              </a:rPr>
+              <a:t>引導</a:t>
+            </a:r>
+          </a:p>
+        </p:txBody>
+      </p:sp>
+      <p:sp>
+        <p:nvSpPr>
+          <p:cNvPr id="3" name="TextBox 2"/>
+          <p:cNvSpPr txBox="1"/>
+          <p:nvPr/>
+        </p:nvSpPr>
+        <p:spPr>
+          <a:xfrm>
+            <a:off x="0" y="3867894"/>
+            <a:ext cx="9144000" cy="523220"/>
+          </a:xfrm>
+          <a:prstGeom prst="rect">
+            <a:avLst/>
+          </a:prstGeom>
+          <a:noFill/>
+        </p:spPr>
+        <p:txBody>
+          <a:bodyPr wrap="square" rtlCol="0">
+            <a:spAutoFit/>
+          </a:bodyPr>
+          <a:lstStyle/>
+          <a:p>
+            <a:pPr algn="ctr"/>
+            <a:r>
+              <a:rPr lang="en-US" sz="2800" b="1" dirty="0">
+                <a:solidFill>
+                  <a:srgbClr val="660033"/>
+                </a:solidFill>
+              </a:rPr>
+              <a:t>( </a:t>
+            </a:r>
+            <a:r>
+              <a:rPr lang="en-US" sz="2800" b="1" dirty="0" smtClean="0">
+                <a:solidFill>
+                  <a:srgbClr val="660033"/>
+                </a:solidFill>
+              </a:rPr>
+              <a:t>2 </a:t>
+            </a:r>
+            <a:r>
+              <a:rPr lang="en-US" sz="2800" b="1" dirty="0">
+                <a:solidFill>
+                  <a:srgbClr val="660033"/>
+                </a:solidFill>
+              </a:rPr>
+              <a:t>)</a:t>
+            </a:r>
+            <a:endParaRPr lang="vi-VN" sz="2800" b="1" dirty="0">
+              <a:solidFill>
+                <a:srgbClr val="660033"/>
+              </a:solidFill>
             </a:endParaRPr>
           </a:p>
-          <a:p>
-            <a:pPr algn="ctr">
-              <a:buNone/>
-            </a:pPr>
-            <a:r>
-              <a:rPr lang="zh-TW" altLang="en-US" sz="4800" b="1" dirty="0">
-                <a:latin typeface="Microsoft JhengHei" pitchFamily="34" charset="-120"/>
-                <a:ea typeface="Microsoft JhengHei" pitchFamily="34" charset="-120"/>
-              </a:rPr>
-              <a:t>親愛</a:t>
-            </a:r>
-            <a:r>
-              <a:rPr lang="zh-TW" altLang="en-US" sz="4800" b="1" dirty="0">
-                <a:latin typeface="Microsoft JhengHei" pitchFamily="34" charset="-120"/>
-                <a:ea typeface="Microsoft JhengHei" pitchFamily="34" charset="-120"/>
-              </a:rPr>
-              <a:t>主 牽我手 常引導</a:t>
-            </a:r>
-          </a:p>
         </p:txBody>
       </p:sp>
     </p:spTree>
+    <p:extLst>
+      <p:ext uri="{BB962C8B-B14F-4D97-AF65-F5344CB8AC3E}">
+        <p14:creationId xmlns:p14="http://schemas.microsoft.com/office/powerpoint/2010/main" val="360754486"/>
+      </p:ext>
+    </p:extLst>
   </p:cSld>
   <p:clrMapOvr>
     <a:masterClrMapping/>
